--- a/geoInvaders.pptx
+++ b/geoInvaders.pptx
@@ -4771,7 +4771,7 @@
       </p:sp>
       <p:pic>
         <p:nvPicPr>
-          <p:cNvPr id="4" name="Рисунок 3"/>
+          <p:cNvPr id="5" name="Рисунок 4"/>
           <p:cNvPicPr>
             <a:picLocks noChangeAspect="1"/>
           </p:cNvPicPr>
@@ -4791,8 +4791,8 @@
         </p:blipFill>
         <p:spPr>
           <a:xfrm>
-            <a:off x="484863" y="2060325"/>
-            <a:ext cx="5037505" cy="4502112"/>
+            <a:off x="7000916" y="1764145"/>
+            <a:ext cx="4573101" cy="4798292"/>
           </a:xfrm>
           <a:prstGeom prst="rect">
             <a:avLst/>
@@ -4801,32 +4801,29 @@
       </p:pic>
       <p:pic>
         <p:nvPicPr>
-          <p:cNvPr id="5" name="Рисунок 4"/>
+          <p:cNvPr id="6" name="Рисунок 5"/>
           <p:cNvPicPr>
             <a:picLocks noChangeAspect="1"/>
           </p:cNvPicPr>
           <p:nvPr/>
         </p:nvPicPr>
         <p:blipFill>
-          <a:blip r:embed="rId4" cstate="print">
-            <a:extLst>
-              <a:ext uri="{28A0092B-C50C-407E-A947-70E740481C1C}">
-                <a14:useLocalDpi xmlns:a14="http://schemas.microsoft.com/office/drawing/2010/main" val="0"/>
-              </a:ext>
-            </a:extLst>
-          </a:blip>
+          <a:blip r:embed="rId4"/>
           <a:stretch>
             <a:fillRect/>
           </a:stretch>
         </p:blipFill>
         <p:spPr>
           <a:xfrm>
-            <a:off x="7000916" y="1764145"/>
-            <a:ext cx="4573101" cy="4798292"/>
-          </a:xfrm>
-          <a:prstGeom prst="rect">
-            <a:avLst/>
-          </a:prstGeom>
+            <a:off x="297679" y="1998156"/>
+            <a:ext cx="5613594" cy="4697725"/>
+          </a:xfrm>
+          <a:prstGeom prst="rect">
+            <a:avLst/>
+          </a:prstGeom>
+          <a:effectLst>
+            <a:softEdge rad="31750"/>
+          </a:effectLst>
         </p:spPr>
       </p:pic>
     </p:spTree>

--- a/geoInvaders.pptx
+++ b/geoInvaders.pptx
@@ -10,8 +10,8 @@
     <p:sldId id="258" r:id="rId4"/>
     <p:sldId id="259" r:id="rId5"/>
     <p:sldId id="260" r:id="rId6"/>
-    <p:sldId id="261" r:id="rId7"/>
-    <p:sldId id="262" r:id="rId8"/>
+    <p:sldId id="262" r:id="rId7"/>
+    <p:sldId id="261" r:id="rId8"/>
     <p:sldId id="263" r:id="rId9"/>
     <p:sldId id="264" r:id="rId10"/>
   </p:sldIdLst>
@@ -4058,7 +4058,7 @@
         </p:blipFill>
         <p:spPr>
           <a:xfrm>
-            <a:off x="0" y="0"/>
+            <a:off x="0" y="-104775"/>
             <a:ext cx="12191999" cy="6858000"/>
           </a:xfrm>
           <a:prstGeom prst="rect">
@@ -4273,8 +4273,8 @@
         </p:nvSpPr>
         <p:spPr>
           <a:xfrm>
-            <a:off x="5428220" y="1431637"/>
-            <a:ext cx="1973361" cy="523220"/>
+            <a:off x="5659020" y="1351280"/>
+            <a:ext cx="873957" cy="523220"/>
           </a:xfrm>
           <a:prstGeom prst="rect">
             <a:avLst/>
@@ -4288,16 +4288,16 @@
           <a:lstStyle/>
           <a:p>
             <a:r>
-              <a:rPr lang="ru-RU" sz="2800" dirty="0" smtClean="0">
+              <a:rPr lang="en-US" sz="2800" dirty="0" smtClean="0">
                 <a:solidFill>
                   <a:schemeClr val="accent5">
                     <a:lumMod val="75000"/>
                   </a:schemeClr>
                 </a:solidFill>
               </a:rPr>
-              <a:t>Реализация</a:t>
-            </a:r>
-            <a:endParaRPr lang="ru-RU" sz="2800" dirty="0">
+              <a:t>UML</a:t>
+            </a:r>
+            <a:endParaRPr lang="ru-RU" dirty="0">
               <a:solidFill>
                 <a:schemeClr val="accent5">
                   <a:lumMod val="75000"/>
@@ -4309,9 +4309,9 @@
       </p:sp>
       <p:pic>
         <p:nvPicPr>
-          <p:cNvPr id="1026" name="Picture 2" descr="https://i.playground.ru/p/SzOgWLElvcQv_xbfGekEeA.jpeg"/>
+          <p:cNvPr id="5" name="Рисунок 4"/>
           <p:cNvPicPr>
-            <a:picLocks noChangeAspect="1" noChangeArrowheads="1"/>
+            <a:picLocks noChangeAspect="1"/>
           </p:cNvPicPr>
           <p:nvPr/>
         </p:nvPicPr>
@@ -4323,37 +4323,23 @@
               </a:ext>
             </a:extLst>
           </a:blip>
-          <a:srcRect/>
           <a:stretch>
             <a:fillRect/>
           </a:stretch>
         </p:blipFill>
-        <p:spPr bwMode="auto">
-          <a:xfrm>
-            <a:off x="832551" y="2136380"/>
-            <a:ext cx="2551232" cy="1435068"/>
-          </a:xfrm>
-          <a:prstGeom prst="rect">
-            <a:avLst/>
-          </a:prstGeom>
-          <a:noFill/>
-          <a:effectLst>
-            <a:softEdge rad="63500"/>
-          </a:effectLst>
-          <a:extLst>
-            <a:ext uri="{909E8E84-426E-40DD-AFC4-6F175D3DCCD1}">
-              <a14:hiddenFill xmlns:a14="http://schemas.microsoft.com/office/drawing/2010/main">
-                <a:solidFill>
-                  <a:srgbClr val="FFFFFF"/>
-                </a:solidFill>
-              </a14:hiddenFill>
-            </a:ext>
-          </a:extLst>
+        <p:spPr>
+          <a:xfrm>
+            <a:off x="7000916" y="1764145"/>
+            <a:ext cx="4573101" cy="4798292"/>
+          </a:xfrm>
+          <a:prstGeom prst="rect">
+            <a:avLst/>
+          </a:prstGeom>
         </p:spPr>
       </p:pic>
       <p:pic>
         <p:nvPicPr>
-          <p:cNvPr id="10" name="Рисунок 9"/>
+          <p:cNvPr id="6" name="Рисунок 5"/>
           <p:cNvPicPr>
             <a:picLocks noChangeAspect="1"/>
           </p:cNvPicPr>
@@ -4367,303 +4353,21 @@
         </p:blipFill>
         <p:spPr>
           <a:xfrm>
-            <a:off x="4950691" y="2411701"/>
-            <a:ext cx="2424716" cy="884425"/>
+            <a:off x="297679" y="1998156"/>
+            <a:ext cx="5613594" cy="4697725"/>
           </a:xfrm>
           <a:prstGeom prst="rect">
             <a:avLst/>
           </a:prstGeom>
           <a:effectLst>
-            <a:softEdge rad="63500"/>
+            <a:softEdge rad="31750"/>
           </a:effectLst>
-        </p:spPr>
-      </p:pic>
-      <p:pic>
-        <p:nvPicPr>
-          <p:cNvPr id="1028" name="Picture 4" descr="https://miro.medium.com/max/1400/1*F83F9d1ki3fG6LMG3AvIMg.png"/>
-          <p:cNvPicPr>
-            <a:picLocks noChangeAspect="1" noChangeArrowheads="1"/>
-          </p:cNvPicPr>
-          <p:nvPr/>
-        </p:nvPicPr>
-        <p:blipFill>
-          <a:blip r:embed="rId5" cstate="print">
-            <a:extLst>
-              <a:ext uri="{28A0092B-C50C-407E-A947-70E740481C1C}">
-                <a14:useLocalDpi xmlns:a14="http://schemas.microsoft.com/office/drawing/2010/main" val="0"/>
-              </a:ext>
-            </a:extLst>
-          </a:blip>
-          <a:srcRect/>
-          <a:stretch>
-            <a:fillRect/>
-          </a:stretch>
-        </p:blipFill>
-        <p:spPr bwMode="auto">
-          <a:xfrm>
-            <a:off x="8353585" y="2909207"/>
-            <a:ext cx="2069109" cy="871982"/>
-          </a:xfrm>
-          <a:prstGeom prst="rect">
-            <a:avLst/>
-          </a:prstGeom>
-          <a:noFill/>
-          <a:extLst>
-            <a:ext uri="{909E8E84-426E-40DD-AFC4-6F175D3DCCD1}">
-              <a14:hiddenFill xmlns:a14="http://schemas.microsoft.com/office/drawing/2010/main">
-                <a:solidFill>
-                  <a:srgbClr val="FFFFFF"/>
-                </a:solidFill>
-              </a14:hiddenFill>
-            </a:ext>
-          </a:extLst>
-        </p:spPr>
-      </p:pic>
-      <p:pic>
-        <p:nvPicPr>
-          <p:cNvPr id="1030" name="Picture 6" descr="https://pacificsky.ru/uploads/posts/2018-12/1545512730_node-js.png"/>
-          <p:cNvPicPr>
-            <a:picLocks noChangeAspect="1" noChangeArrowheads="1"/>
-          </p:cNvPicPr>
-          <p:nvPr/>
-        </p:nvPicPr>
-        <p:blipFill>
-          <a:blip r:embed="rId6" cstate="print">
-            <a:extLst>
-              <a:ext uri="{28A0092B-C50C-407E-A947-70E740481C1C}">
-                <a14:useLocalDpi xmlns:a14="http://schemas.microsoft.com/office/drawing/2010/main" val="0"/>
-              </a:ext>
-            </a:extLst>
-          </a:blip>
-          <a:srcRect/>
-          <a:stretch>
-            <a:fillRect/>
-          </a:stretch>
-        </p:blipFill>
-        <p:spPr bwMode="auto">
-          <a:xfrm>
-            <a:off x="1671781" y="3835354"/>
-            <a:ext cx="2891929" cy="1927953"/>
-          </a:xfrm>
-          <a:prstGeom prst="rect">
-            <a:avLst/>
-          </a:prstGeom>
-          <a:noFill/>
-          <a:extLst>
-            <a:ext uri="{909E8E84-426E-40DD-AFC4-6F175D3DCCD1}">
-              <a14:hiddenFill xmlns:a14="http://schemas.microsoft.com/office/drawing/2010/main">
-                <a:solidFill>
-                  <a:srgbClr val="FFFFFF"/>
-                </a:solidFill>
-              </a14:hiddenFill>
-            </a:ext>
-          </a:extLst>
-        </p:spPr>
-      </p:pic>
-      <p:sp>
-        <p:nvSpPr>
-          <p:cNvPr id="11" name="AutoShape 8" descr="https://www.logolynx.com/images/logolynx/cf/cf72126a3551b816d617a06ffb01388b.png"/>
-          <p:cNvSpPr>
-            <a:spLocks noChangeAspect="1" noChangeArrowheads="1"/>
-          </p:cNvSpPr>
-          <p:nvPr/>
-        </p:nvSpPr>
-        <p:spPr bwMode="auto">
-          <a:xfrm>
-            <a:off x="63500" y="-136525"/>
-            <a:ext cx="304800" cy="304800"/>
-          </a:xfrm>
-          <a:prstGeom prst="rect">
-            <a:avLst/>
-          </a:prstGeom>
-          <a:noFill/>
-          <a:extLst>
-            <a:ext uri="{909E8E84-426E-40DD-AFC4-6F175D3DCCD1}">
-              <a14:hiddenFill xmlns:a14="http://schemas.microsoft.com/office/drawing/2010/main">
-                <a:solidFill>
-                  <a:srgbClr val="FFFFFF"/>
-                </a:solidFill>
-              </a14:hiddenFill>
-            </a:ext>
-          </a:extLst>
-        </p:spPr>
-        <p:txBody>
-          <a:bodyPr vert="horz" wrap="square" lIns="91440" tIns="45720" rIns="91440" bIns="45720" numCol="1" anchor="t" anchorCtr="0" compatLnSpc="1">
-            <a:prstTxWarp prst="textNoShape">
-              <a:avLst/>
-            </a:prstTxWarp>
-          </a:bodyPr>
-          <a:lstStyle/>
-          <a:p>
-            <a:endParaRPr lang="ru-RU"/>
-          </a:p>
-        </p:txBody>
-      </p:sp>
-      <p:sp>
-        <p:nvSpPr>
-          <p:cNvPr id="12" name="AutoShape 10" descr="https://www.logolynx.com/images/logolynx/cf/cf72126a3551b816d617a06ffb01388b.png"/>
-          <p:cNvSpPr>
-            <a:spLocks noChangeAspect="1" noChangeArrowheads="1"/>
-          </p:cNvSpPr>
-          <p:nvPr/>
-        </p:nvSpPr>
-        <p:spPr bwMode="auto">
-          <a:xfrm>
-            <a:off x="215900" y="15875"/>
-            <a:ext cx="304800" cy="304800"/>
-          </a:xfrm>
-          <a:prstGeom prst="rect">
-            <a:avLst/>
-          </a:prstGeom>
-          <a:noFill/>
-          <a:extLst>
-            <a:ext uri="{909E8E84-426E-40DD-AFC4-6F175D3DCCD1}">
-              <a14:hiddenFill xmlns:a14="http://schemas.microsoft.com/office/drawing/2010/main">
-                <a:solidFill>
-                  <a:srgbClr val="FFFFFF"/>
-                </a:solidFill>
-              </a14:hiddenFill>
-            </a:ext>
-          </a:extLst>
-        </p:spPr>
-        <p:txBody>
-          <a:bodyPr vert="horz" wrap="square" lIns="91440" tIns="45720" rIns="91440" bIns="45720" numCol="1" anchor="t" anchorCtr="0" compatLnSpc="1">
-            <a:prstTxWarp prst="textNoShape">
-              <a:avLst/>
-            </a:prstTxWarp>
-          </a:bodyPr>
-          <a:lstStyle/>
-          <a:p>
-            <a:endParaRPr lang="ru-RU"/>
-          </a:p>
-        </p:txBody>
-      </p:sp>
-      <p:sp>
-        <p:nvSpPr>
-          <p:cNvPr id="13" name="AutoShape 12" descr="https://www.logolynx.com/images/logolynx/cf/cf72126a3551b816d617a06ffb01388b.png"/>
-          <p:cNvSpPr>
-            <a:spLocks noChangeAspect="1" noChangeArrowheads="1"/>
-          </p:cNvSpPr>
-          <p:nvPr/>
-        </p:nvSpPr>
-        <p:spPr bwMode="auto">
-          <a:xfrm>
-            <a:off x="368300" y="168275"/>
-            <a:ext cx="304800" cy="304800"/>
-          </a:xfrm>
-          <a:prstGeom prst="rect">
-            <a:avLst/>
-          </a:prstGeom>
-          <a:noFill/>
-          <a:extLst>
-            <a:ext uri="{909E8E84-426E-40DD-AFC4-6F175D3DCCD1}">
-              <a14:hiddenFill xmlns:a14="http://schemas.microsoft.com/office/drawing/2010/main">
-                <a:solidFill>
-                  <a:srgbClr val="FFFFFF"/>
-                </a:solidFill>
-              </a14:hiddenFill>
-            </a:ext>
-          </a:extLst>
-        </p:spPr>
-        <p:txBody>
-          <a:bodyPr vert="horz" wrap="square" lIns="91440" tIns="45720" rIns="91440" bIns="45720" numCol="1" anchor="t" anchorCtr="0" compatLnSpc="1">
-            <a:prstTxWarp prst="textNoShape">
-              <a:avLst/>
-            </a:prstTxWarp>
-          </a:bodyPr>
-          <a:lstStyle/>
-          <a:p>
-            <a:endParaRPr lang="ru-RU"/>
-          </a:p>
-        </p:txBody>
-      </p:sp>
-      <p:pic>
-        <p:nvPicPr>
-          <p:cNvPr id="1038" name="Picture 14" descr="https://itisgood.ru/wp-content/uploads/2018/07/1-4.jpeg"/>
-          <p:cNvPicPr>
-            <a:picLocks noChangeAspect="1" noChangeArrowheads="1"/>
-          </p:cNvPicPr>
-          <p:nvPr/>
-        </p:nvPicPr>
-        <p:blipFill rotWithShape="1">
-          <a:blip r:embed="rId7">
-            <a:extLst>
-              <a:ext uri="{28A0092B-C50C-407E-A947-70E740481C1C}">
-                <a14:useLocalDpi xmlns:a14="http://schemas.microsoft.com/office/drawing/2010/main" val="0"/>
-              </a:ext>
-            </a:extLst>
-          </a:blip>
-          <a:srcRect l="27960" t="29286" r="28388" b="29083"/>
-          <a:stretch/>
-        </p:blipFill>
-        <p:spPr bwMode="auto">
-          <a:xfrm>
-            <a:off x="5018582" y="4651395"/>
-            <a:ext cx="2486243" cy="1333767"/>
-          </a:xfrm>
-          <a:prstGeom prst="rect">
-            <a:avLst/>
-          </a:prstGeom>
-          <a:noFill/>
-          <a:effectLst>
-            <a:softEdge rad="63500"/>
-          </a:effectLst>
-          <a:extLst>
-            <a:ext uri="{909E8E84-426E-40DD-AFC4-6F175D3DCCD1}">
-              <a14:hiddenFill xmlns:a14="http://schemas.microsoft.com/office/drawing/2010/main">
-                <a:solidFill>
-                  <a:srgbClr val="FFFFFF"/>
-                </a:solidFill>
-              </a14:hiddenFill>
-            </a:ext>
-          </a:extLst>
-        </p:spPr>
-      </p:pic>
-      <p:pic>
-        <p:nvPicPr>
-          <p:cNvPr id="1040" name="Picture 16" descr="https://www.isnotdown.com/assets/pics/clever-cloud.png"/>
-          <p:cNvPicPr>
-            <a:picLocks noChangeAspect="1" noChangeArrowheads="1"/>
-          </p:cNvPicPr>
-          <p:nvPr/>
-        </p:nvPicPr>
-        <p:blipFill>
-          <a:blip r:embed="rId8" cstate="print">
-            <a:extLst>
-              <a:ext uri="{28A0092B-C50C-407E-A947-70E740481C1C}">
-                <a14:useLocalDpi xmlns:a14="http://schemas.microsoft.com/office/drawing/2010/main" val="0"/>
-              </a:ext>
-            </a:extLst>
-          </a:blip>
-          <a:srcRect/>
-          <a:stretch>
-            <a:fillRect/>
-          </a:stretch>
-        </p:blipFill>
-        <p:spPr bwMode="auto">
-          <a:xfrm>
-            <a:off x="8130641" y="4638426"/>
-            <a:ext cx="2797048" cy="724236"/>
-          </a:xfrm>
-          <a:prstGeom prst="rect">
-            <a:avLst/>
-          </a:prstGeom>
-          <a:noFill/>
-          <a:extLst>
-            <a:ext uri="{909E8E84-426E-40DD-AFC4-6F175D3DCCD1}">
-              <a14:hiddenFill xmlns:a14="http://schemas.microsoft.com/office/drawing/2010/main">
-                <a:solidFill>
-                  <a:srgbClr val="FFFFFF"/>
-                </a:solidFill>
-              </a14:hiddenFill>
-            </a:ext>
-          </a:extLst>
         </p:spPr>
       </p:pic>
     </p:spTree>
     <p:extLst>
       <p:ext uri="{BB962C8B-B14F-4D97-AF65-F5344CB8AC3E}">
-        <p14:creationId xmlns:p14="http://schemas.microsoft.com/office/powerpoint/2010/main" val="1060067041"/>
+        <p14:creationId xmlns:p14="http://schemas.microsoft.com/office/powerpoint/2010/main" val="2726119537"/>
       </p:ext>
     </p:extLst>
   </p:cSld>
@@ -4735,8 +4439,8 @@
         </p:nvSpPr>
         <p:spPr>
           <a:xfrm>
-            <a:off x="5659020" y="1351280"/>
-            <a:ext cx="873957" cy="523220"/>
+            <a:off x="5428220" y="1431637"/>
+            <a:ext cx="1973361" cy="523220"/>
           </a:xfrm>
           <a:prstGeom prst="rect">
             <a:avLst/>
@@ -4750,16 +4454,16 @@
           <a:lstStyle/>
           <a:p>
             <a:r>
-              <a:rPr lang="en-US" sz="2800" dirty="0" smtClean="0">
+              <a:rPr lang="ru-RU" sz="2800" dirty="0" smtClean="0">
                 <a:solidFill>
                   <a:schemeClr val="accent5">
                     <a:lumMod val="75000"/>
                   </a:schemeClr>
                 </a:solidFill>
               </a:rPr>
-              <a:t>UML</a:t>
-            </a:r>
-            <a:endParaRPr lang="ru-RU" dirty="0">
+              <a:t>Реализация</a:t>
+            </a:r>
+            <a:endParaRPr lang="ru-RU" sz="2800" dirty="0">
               <a:solidFill>
                 <a:schemeClr val="accent5">
                   <a:lumMod val="75000"/>
@@ -4771,9 +4475,9 @@
       </p:sp>
       <p:pic>
         <p:nvPicPr>
-          <p:cNvPr id="5" name="Рисунок 4"/>
+          <p:cNvPr id="1026" name="Picture 2" descr="https://i.playground.ru/p/SzOgWLElvcQv_xbfGekEeA.jpeg"/>
           <p:cNvPicPr>
-            <a:picLocks noChangeAspect="1"/>
+            <a:picLocks noChangeAspect="1" noChangeArrowheads="1"/>
           </p:cNvPicPr>
           <p:nvPr/>
         </p:nvPicPr>
@@ -4785,23 +4489,37 @@
               </a:ext>
             </a:extLst>
           </a:blip>
+          <a:srcRect/>
           <a:stretch>
             <a:fillRect/>
           </a:stretch>
         </p:blipFill>
-        <p:spPr>
-          <a:xfrm>
-            <a:off x="7000916" y="1764145"/>
-            <a:ext cx="4573101" cy="4798292"/>
-          </a:xfrm>
-          <a:prstGeom prst="rect">
-            <a:avLst/>
-          </a:prstGeom>
+        <p:spPr bwMode="auto">
+          <a:xfrm>
+            <a:off x="832551" y="2136380"/>
+            <a:ext cx="2551232" cy="1435068"/>
+          </a:xfrm>
+          <a:prstGeom prst="rect">
+            <a:avLst/>
+          </a:prstGeom>
+          <a:noFill/>
+          <a:effectLst>
+            <a:softEdge rad="63500"/>
+          </a:effectLst>
+          <a:extLst>
+            <a:ext uri="{909E8E84-426E-40DD-AFC4-6F175D3DCCD1}">
+              <a14:hiddenFill xmlns:a14="http://schemas.microsoft.com/office/drawing/2010/main">
+                <a:solidFill>
+                  <a:srgbClr val="FFFFFF"/>
+                </a:solidFill>
+              </a14:hiddenFill>
+            </a:ext>
+          </a:extLst>
         </p:spPr>
       </p:pic>
       <p:pic>
         <p:nvPicPr>
-          <p:cNvPr id="6" name="Рисунок 5"/>
+          <p:cNvPr id="10" name="Рисунок 9"/>
           <p:cNvPicPr>
             <a:picLocks noChangeAspect="1"/>
           </p:cNvPicPr>
@@ -4815,21 +4533,303 @@
         </p:blipFill>
         <p:spPr>
           <a:xfrm>
-            <a:off x="297679" y="1998156"/>
-            <a:ext cx="5613594" cy="4697725"/>
+            <a:off x="4950691" y="2411701"/>
+            <a:ext cx="2424716" cy="884425"/>
           </a:xfrm>
           <a:prstGeom prst="rect">
             <a:avLst/>
           </a:prstGeom>
           <a:effectLst>
-            <a:softEdge rad="31750"/>
+            <a:softEdge rad="63500"/>
           </a:effectLst>
+        </p:spPr>
+      </p:pic>
+      <p:pic>
+        <p:nvPicPr>
+          <p:cNvPr id="1028" name="Picture 4" descr="https://miro.medium.com/max/1400/1*F83F9d1ki3fG6LMG3AvIMg.png"/>
+          <p:cNvPicPr>
+            <a:picLocks noChangeAspect="1" noChangeArrowheads="1"/>
+          </p:cNvPicPr>
+          <p:nvPr/>
+        </p:nvPicPr>
+        <p:blipFill>
+          <a:blip r:embed="rId5" cstate="print">
+            <a:extLst>
+              <a:ext uri="{28A0092B-C50C-407E-A947-70E740481C1C}">
+                <a14:useLocalDpi xmlns:a14="http://schemas.microsoft.com/office/drawing/2010/main" val="0"/>
+              </a:ext>
+            </a:extLst>
+          </a:blip>
+          <a:srcRect/>
+          <a:stretch>
+            <a:fillRect/>
+          </a:stretch>
+        </p:blipFill>
+        <p:spPr bwMode="auto">
+          <a:xfrm>
+            <a:off x="8353585" y="2909207"/>
+            <a:ext cx="2069109" cy="871982"/>
+          </a:xfrm>
+          <a:prstGeom prst="rect">
+            <a:avLst/>
+          </a:prstGeom>
+          <a:noFill/>
+          <a:extLst>
+            <a:ext uri="{909E8E84-426E-40DD-AFC4-6F175D3DCCD1}">
+              <a14:hiddenFill xmlns:a14="http://schemas.microsoft.com/office/drawing/2010/main">
+                <a:solidFill>
+                  <a:srgbClr val="FFFFFF"/>
+                </a:solidFill>
+              </a14:hiddenFill>
+            </a:ext>
+          </a:extLst>
+        </p:spPr>
+      </p:pic>
+      <p:pic>
+        <p:nvPicPr>
+          <p:cNvPr id="1030" name="Picture 6" descr="https://pacificsky.ru/uploads/posts/2018-12/1545512730_node-js.png"/>
+          <p:cNvPicPr>
+            <a:picLocks noChangeAspect="1" noChangeArrowheads="1"/>
+          </p:cNvPicPr>
+          <p:nvPr/>
+        </p:nvPicPr>
+        <p:blipFill>
+          <a:blip r:embed="rId6" cstate="print">
+            <a:extLst>
+              <a:ext uri="{28A0092B-C50C-407E-A947-70E740481C1C}">
+                <a14:useLocalDpi xmlns:a14="http://schemas.microsoft.com/office/drawing/2010/main" val="0"/>
+              </a:ext>
+            </a:extLst>
+          </a:blip>
+          <a:srcRect/>
+          <a:stretch>
+            <a:fillRect/>
+          </a:stretch>
+        </p:blipFill>
+        <p:spPr bwMode="auto">
+          <a:xfrm>
+            <a:off x="1671781" y="3835354"/>
+            <a:ext cx="2891929" cy="1927953"/>
+          </a:xfrm>
+          <a:prstGeom prst="rect">
+            <a:avLst/>
+          </a:prstGeom>
+          <a:noFill/>
+          <a:extLst>
+            <a:ext uri="{909E8E84-426E-40DD-AFC4-6F175D3DCCD1}">
+              <a14:hiddenFill xmlns:a14="http://schemas.microsoft.com/office/drawing/2010/main">
+                <a:solidFill>
+                  <a:srgbClr val="FFFFFF"/>
+                </a:solidFill>
+              </a14:hiddenFill>
+            </a:ext>
+          </a:extLst>
+        </p:spPr>
+      </p:pic>
+      <p:sp>
+        <p:nvSpPr>
+          <p:cNvPr id="11" name="AutoShape 8" descr="https://www.logolynx.com/images/logolynx/cf/cf72126a3551b816d617a06ffb01388b.png"/>
+          <p:cNvSpPr>
+            <a:spLocks noChangeAspect="1" noChangeArrowheads="1"/>
+          </p:cNvSpPr>
+          <p:nvPr/>
+        </p:nvSpPr>
+        <p:spPr bwMode="auto">
+          <a:xfrm>
+            <a:off x="63500" y="-136525"/>
+            <a:ext cx="304800" cy="304800"/>
+          </a:xfrm>
+          <a:prstGeom prst="rect">
+            <a:avLst/>
+          </a:prstGeom>
+          <a:noFill/>
+          <a:extLst>
+            <a:ext uri="{909E8E84-426E-40DD-AFC4-6F175D3DCCD1}">
+              <a14:hiddenFill xmlns:a14="http://schemas.microsoft.com/office/drawing/2010/main">
+                <a:solidFill>
+                  <a:srgbClr val="FFFFFF"/>
+                </a:solidFill>
+              </a14:hiddenFill>
+            </a:ext>
+          </a:extLst>
+        </p:spPr>
+        <p:txBody>
+          <a:bodyPr vert="horz" wrap="square" lIns="91440" tIns="45720" rIns="91440" bIns="45720" numCol="1" anchor="t" anchorCtr="0" compatLnSpc="1">
+            <a:prstTxWarp prst="textNoShape">
+              <a:avLst/>
+            </a:prstTxWarp>
+          </a:bodyPr>
+          <a:lstStyle/>
+          <a:p>
+            <a:endParaRPr lang="ru-RU"/>
+          </a:p>
+        </p:txBody>
+      </p:sp>
+      <p:sp>
+        <p:nvSpPr>
+          <p:cNvPr id="12" name="AutoShape 10" descr="https://www.logolynx.com/images/logolynx/cf/cf72126a3551b816d617a06ffb01388b.png"/>
+          <p:cNvSpPr>
+            <a:spLocks noChangeAspect="1" noChangeArrowheads="1"/>
+          </p:cNvSpPr>
+          <p:nvPr/>
+        </p:nvSpPr>
+        <p:spPr bwMode="auto">
+          <a:xfrm>
+            <a:off x="215900" y="15875"/>
+            <a:ext cx="304800" cy="304800"/>
+          </a:xfrm>
+          <a:prstGeom prst="rect">
+            <a:avLst/>
+          </a:prstGeom>
+          <a:noFill/>
+          <a:extLst>
+            <a:ext uri="{909E8E84-426E-40DD-AFC4-6F175D3DCCD1}">
+              <a14:hiddenFill xmlns:a14="http://schemas.microsoft.com/office/drawing/2010/main">
+                <a:solidFill>
+                  <a:srgbClr val="FFFFFF"/>
+                </a:solidFill>
+              </a14:hiddenFill>
+            </a:ext>
+          </a:extLst>
+        </p:spPr>
+        <p:txBody>
+          <a:bodyPr vert="horz" wrap="square" lIns="91440" tIns="45720" rIns="91440" bIns="45720" numCol="1" anchor="t" anchorCtr="0" compatLnSpc="1">
+            <a:prstTxWarp prst="textNoShape">
+              <a:avLst/>
+            </a:prstTxWarp>
+          </a:bodyPr>
+          <a:lstStyle/>
+          <a:p>
+            <a:endParaRPr lang="ru-RU"/>
+          </a:p>
+        </p:txBody>
+      </p:sp>
+      <p:sp>
+        <p:nvSpPr>
+          <p:cNvPr id="13" name="AutoShape 12" descr="https://www.logolynx.com/images/logolynx/cf/cf72126a3551b816d617a06ffb01388b.png"/>
+          <p:cNvSpPr>
+            <a:spLocks noChangeAspect="1" noChangeArrowheads="1"/>
+          </p:cNvSpPr>
+          <p:nvPr/>
+        </p:nvSpPr>
+        <p:spPr bwMode="auto">
+          <a:xfrm>
+            <a:off x="368300" y="168275"/>
+            <a:ext cx="304800" cy="304800"/>
+          </a:xfrm>
+          <a:prstGeom prst="rect">
+            <a:avLst/>
+          </a:prstGeom>
+          <a:noFill/>
+          <a:extLst>
+            <a:ext uri="{909E8E84-426E-40DD-AFC4-6F175D3DCCD1}">
+              <a14:hiddenFill xmlns:a14="http://schemas.microsoft.com/office/drawing/2010/main">
+                <a:solidFill>
+                  <a:srgbClr val="FFFFFF"/>
+                </a:solidFill>
+              </a14:hiddenFill>
+            </a:ext>
+          </a:extLst>
+        </p:spPr>
+        <p:txBody>
+          <a:bodyPr vert="horz" wrap="square" lIns="91440" tIns="45720" rIns="91440" bIns="45720" numCol="1" anchor="t" anchorCtr="0" compatLnSpc="1">
+            <a:prstTxWarp prst="textNoShape">
+              <a:avLst/>
+            </a:prstTxWarp>
+          </a:bodyPr>
+          <a:lstStyle/>
+          <a:p>
+            <a:endParaRPr lang="ru-RU"/>
+          </a:p>
+        </p:txBody>
+      </p:sp>
+      <p:pic>
+        <p:nvPicPr>
+          <p:cNvPr id="1038" name="Picture 14" descr="https://itisgood.ru/wp-content/uploads/2018/07/1-4.jpeg"/>
+          <p:cNvPicPr>
+            <a:picLocks noChangeAspect="1" noChangeArrowheads="1"/>
+          </p:cNvPicPr>
+          <p:nvPr/>
+        </p:nvPicPr>
+        <p:blipFill rotWithShape="1">
+          <a:blip r:embed="rId7">
+            <a:extLst>
+              <a:ext uri="{28A0092B-C50C-407E-A947-70E740481C1C}">
+                <a14:useLocalDpi xmlns:a14="http://schemas.microsoft.com/office/drawing/2010/main" val="0"/>
+              </a:ext>
+            </a:extLst>
+          </a:blip>
+          <a:srcRect l="27960" t="29286" r="28388" b="29083"/>
+          <a:stretch/>
+        </p:blipFill>
+        <p:spPr bwMode="auto">
+          <a:xfrm>
+            <a:off x="5018582" y="4651395"/>
+            <a:ext cx="2486243" cy="1333767"/>
+          </a:xfrm>
+          <a:prstGeom prst="rect">
+            <a:avLst/>
+          </a:prstGeom>
+          <a:noFill/>
+          <a:effectLst>
+            <a:softEdge rad="63500"/>
+          </a:effectLst>
+          <a:extLst>
+            <a:ext uri="{909E8E84-426E-40DD-AFC4-6F175D3DCCD1}">
+              <a14:hiddenFill xmlns:a14="http://schemas.microsoft.com/office/drawing/2010/main">
+                <a:solidFill>
+                  <a:srgbClr val="FFFFFF"/>
+                </a:solidFill>
+              </a14:hiddenFill>
+            </a:ext>
+          </a:extLst>
+        </p:spPr>
+      </p:pic>
+      <p:pic>
+        <p:nvPicPr>
+          <p:cNvPr id="1040" name="Picture 16" descr="https://www.isnotdown.com/assets/pics/clever-cloud.png"/>
+          <p:cNvPicPr>
+            <a:picLocks noChangeAspect="1" noChangeArrowheads="1"/>
+          </p:cNvPicPr>
+          <p:nvPr/>
+        </p:nvPicPr>
+        <p:blipFill>
+          <a:blip r:embed="rId8" cstate="print">
+            <a:extLst>
+              <a:ext uri="{28A0092B-C50C-407E-A947-70E740481C1C}">
+                <a14:useLocalDpi xmlns:a14="http://schemas.microsoft.com/office/drawing/2010/main" val="0"/>
+              </a:ext>
+            </a:extLst>
+          </a:blip>
+          <a:srcRect/>
+          <a:stretch>
+            <a:fillRect/>
+          </a:stretch>
+        </p:blipFill>
+        <p:spPr bwMode="auto">
+          <a:xfrm>
+            <a:off x="8130641" y="4638426"/>
+            <a:ext cx="2797048" cy="724236"/>
+          </a:xfrm>
+          <a:prstGeom prst="rect">
+            <a:avLst/>
+          </a:prstGeom>
+          <a:noFill/>
+          <a:extLst>
+            <a:ext uri="{909E8E84-426E-40DD-AFC4-6F175D3DCCD1}">
+              <a14:hiddenFill xmlns:a14="http://schemas.microsoft.com/office/drawing/2010/main">
+                <a:solidFill>
+                  <a:srgbClr val="FFFFFF"/>
+                </a:solidFill>
+              </a14:hiddenFill>
+            </a:ext>
+          </a:extLst>
         </p:spPr>
       </p:pic>
     </p:spTree>
     <p:extLst>
       <p:ext uri="{BB962C8B-B14F-4D97-AF65-F5344CB8AC3E}">
-        <p14:creationId xmlns:p14="http://schemas.microsoft.com/office/powerpoint/2010/main" val="2726119537"/>
+        <p14:creationId xmlns:p14="http://schemas.microsoft.com/office/powerpoint/2010/main" val="1060067041"/>
       </p:ext>
     </p:extLst>
   </p:cSld>
